--- a/Slide PPT.pptx
+++ b/Slide PPT.pptx
@@ -7,11 +7,12 @@
   <p:sldIdLst>
     <p:sldId id="256" r:id="rId2"/>
     <p:sldId id="257" r:id="rId3"/>
-    <p:sldId id="258" r:id="rId4"/>
-    <p:sldId id="259" r:id="rId5"/>
-    <p:sldId id="260" r:id="rId6"/>
-    <p:sldId id="261" r:id="rId7"/>
-    <p:sldId id="262" r:id="rId8"/>
+    <p:sldId id="263" r:id="rId4"/>
+    <p:sldId id="258" r:id="rId5"/>
+    <p:sldId id="259" r:id="rId6"/>
+    <p:sldId id="260" r:id="rId7"/>
+    <p:sldId id="261" r:id="rId8"/>
+    <p:sldId id="262" r:id="rId9"/>
   </p:sldIdLst>
   <p:sldSz cx="12192000" cy="6858000"/>
   <p:notesSz cx="6858000" cy="9144000"/>
@@ -110,6 +111,11 @@
       </a:defRPr>
     </a:lvl9pPr>
   </p:defaultTextStyle>
+  <p:extLst>
+    <p:ext uri="{EFAFB233-063F-42B5-8137-9DF3F51BA10A}">
+      <p15:sldGuideLst xmlns:p15="http://schemas.microsoft.com/office/powerpoint/2012/main"/>
+    </p:ext>
+  </p:extLst>
 </p:presentation>
 </file>
 
@@ -5953,8 +5959,21 @@
             </a:r>
             <a:r>
               <a:rPr lang="en-GB" dirty="0"/>
-              <a:t> ]</a:t>
-            </a:r>
+              <a:t> ] [</a:t>
+            </a:r>
+            <a:r>
+              <a:rPr lang="en-US" sz="1800" dirty="0">
+                <a:solidFill>
+                  <a:srgbClr val="404040"/>
+                </a:solidFill>
+                <a:effectLst/>
+                <a:latin typeface="Calibri" panose="020F0502020204030204" pitchFamily="34" charset="0"/>
+                <a:ea typeface="Calibri" panose="020F0502020204030204" pitchFamily="34" charset="0"/>
+                <a:cs typeface="Times New Roman" panose="02020603050405020304" pitchFamily="18" charset="0"/>
+              </a:rPr>
+              <a:t>Project Leader &amp; Backend ]</a:t>
+            </a:r>
+            <a:endParaRPr lang="en-GB" dirty="0"/>
           </a:p>
           <a:p>
             <a:pPr marL="457200" indent="-457200" algn="l">
@@ -5970,6 +5989,14 @@
             </a:r>
             <a:r>
               <a:rPr lang="en-GB" dirty="0"/>
+              <a:t> ] [ UI &amp; </a:t>
+            </a:r>
+            <a:r>
+              <a:rPr lang="en-GB" dirty="0" err="1"/>
+              <a:t>UX</a:t>
+            </a:r>
+            <a:r>
+              <a:rPr lang="en-GB" dirty="0"/>
               <a:t> ]</a:t>
             </a:r>
           </a:p>
@@ -5987,8 +6014,21 @@
             </a:r>
             <a:r>
               <a:rPr lang="en-US" dirty="0"/>
-              <a:t>)</a:t>
-            </a:r>
+              <a:t>) [</a:t>
+            </a:r>
+            <a:r>
+              <a:rPr lang="en-US" sz="1800" dirty="0">
+                <a:solidFill>
+                  <a:srgbClr val="404040"/>
+                </a:solidFill>
+                <a:effectLst/>
+                <a:latin typeface="Calibri" panose="020F0502020204030204" pitchFamily="34" charset="0"/>
+                <a:ea typeface="Calibri" panose="020F0502020204030204" pitchFamily="34" charset="0"/>
+                <a:cs typeface="Times New Roman" panose="02020603050405020304" pitchFamily="18" charset="0"/>
+              </a:rPr>
+              <a:t>Management Server ]</a:t>
+            </a:r>
+            <a:endParaRPr lang="en-US" dirty="0"/>
           </a:p>
           <a:p>
             <a:pPr marL="457200" indent="-457200" algn="l">
@@ -6016,8 +6056,45 @@
             </a:r>
             <a:r>
               <a:rPr lang="en-US" dirty="0"/>
-              <a:t>)</a:t>
-            </a:r>
+              <a:t>) [</a:t>
+            </a:r>
+            <a:r>
+              <a:rPr lang="en-US" sz="1800" dirty="0">
+                <a:solidFill>
+                  <a:srgbClr val="404040"/>
+                </a:solidFill>
+                <a:effectLst/>
+                <a:latin typeface="Calibri" panose="020F0502020204030204" pitchFamily="34" charset="0"/>
+                <a:ea typeface="Calibri" panose="020F0502020204030204" pitchFamily="34" charset="0"/>
+                <a:cs typeface="Times New Roman" panose="02020603050405020304" pitchFamily="18" charset="0"/>
+              </a:rPr>
+              <a:t>Database </a:t>
+            </a:r>
+            <a:r>
+              <a:rPr lang="en-US" sz="1800" dirty="0" err="1">
+                <a:solidFill>
+                  <a:srgbClr val="404040"/>
+                </a:solidFill>
+                <a:effectLst/>
+                <a:latin typeface="Calibri" panose="020F0502020204030204" pitchFamily="34" charset="0"/>
+                <a:ea typeface="Calibri" panose="020F0502020204030204" pitchFamily="34" charset="0"/>
+                <a:cs typeface="Times New Roman" panose="02020603050405020304" pitchFamily="18" charset="0"/>
+              </a:rPr>
+              <a:t>Struckture</a:t>
+            </a:r>
+            <a:r>
+              <a:rPr lang="en-US" sz="1800">
+                <a:solidFill>
+                  <a:srgbClr val="404040"/>
+                </a:solidFill>
+                <a:effectLst/>
+                <a:latin typeface="Calibri" panose="020F0502020204030204" pitchFamily="34" charset="0"/>
+                <a:ea typeface="Calibri" panose="020F0502020204030204" pitchFamily="34" charset="0"/>
+                <a:cs typeface="Times New Roman" panose="02020603050405020304" pitchFamily="18" charset="0"/>
+              </a:rPr>
+              <a:t> ]</a:t>
+            </a:r>
+            <a:endParaRPr lang="en-US" dirty="0"/>
           </a:p>
         </p:txBody>
       </p:sp>
@@ -6179,6 +6256,1079 @@
           <p:cNvPr id="2" name="Title 1">
             <a:extLst>
               <a:ext uri="{FF2B5EF4-FFF2-40B4-BE49-F238E27FC236}">
+                <a16:creationId xmlns:a16="http://schemas.microsoft.com/office/drawing/2014/main" id="{5066BEE9-7581-485B-9415-24E5D25B1A27}"/>
+              </a:ext>
+            </a:extLst>
+          </p:cNvPr>
+          <p:cNvSpPr>
+            <a:spLocks noGrp="1"/>
+          </p:cNvSpPr>
+          <p:nvPr>
+            <p:ph type="title"/>
+          </p:nvPr>
+        </p:nvSpPr>
+        <p:spPr/>
+        <p:txBody>
+          <a:bodyPr/>
+          <a:lstStyle/>
+          <a:p>
+            <a:r>
+              <a:rPr lang="en-GB" dirty="0" err="1"/>
+              <a:t>Deskripsi</a:t>
+            </a:r>
+            <a:r>
+              <a:rPr lang="en-GB" dirty="0"/>
+              <a:t> Project</a:t>
+            </a:r>
+            <a:endParaRPr lang="en-US" dirty="0"/>
+          </a:p>
+        </p:txBody>
+      </p:sp>
+      <p:sp>
+        <p:nvSpPr>
+          <p:cNvPr id="3" name="Content Placeholder 2">
+            <a:extLst>
+              <a:ext uri="{FF2B5EF4-FFF2-40B4-BE49-F238E27FC236}">
+                <a16:creationId xmlns:a16="http://schemas.microsoft.com/office/drawing/2014/main" id="{05881770-2814-47C9-B1CD-51879AC29686}"/>
+              </a:ext>
+            </a:extLst>
+          </p:cNvPr>
+          <p:cNvSpPr>
+            <a:spLocks noGrp="1"/>
+          </p:cNvSpPr>
+          <p:nvPr>
+            <p:ph idx="1"/>
+          </p:nvPr>
+        </p:nvSpPr>
+        <p:spPr/>
+        <p:txBody>
+          <a:bodyPr>
+            <a:normAutofit fontScale="70000" lnSpcReduction="20000"/>
+          </a:bodyPr>
+          <a:lstStyle/>
+          <a:p>
+            <a:r>
+              <a:rPr lang="en-US" dirty="0" err="1"/>
+              <a:t>Komunitas</a:t>
+            </a:r>
+            <a:r>
+              <a:rPr lang="en-US" dirty="0"/>
+              <a:t> board game di Semarang </a:t>
+            </a:r>
+            <a:r>
+              <a:rPr lang="en-US" dirty="0" err="1"/>
+              <a:t>memerlukan</a:t>
+            </a:r>
+            <a:r>
+              <a:rPr lang="en-US" dirty="0"/>
+              <a:t> </a:t>
+            </a:r>
+            <a:r>
+              <a:rPr lang="en-US" dirty="0" err="1"/>
+              <a:t>suatu</a:t>
+            </a:r>
+            <a:r>
+              <a:rPr lang="en-US" dirty="0"/>
+              <a:t> </a:t>
+            </a:r>
+            <a:r>
+              <a:rPr lang="en-US" dirty="0" err="1"/>
+              <a:t>aplikasi</a:t>
+            </a:r>
+            <a:r>
+              <a:rPr lang="en-US" dirty="0"/>
+              <a:t> </a:t>
+            </a:r>
+            <a:r>
+              <a:rPr lang="en-US" dirty="0" err="1"/>
+              <a:t>untuk</a:t>
+            </a:r>
+            <a:r>
+              <a:rPr lang="en-US" dirty="0"/>
+              <a:t> </a:t>
+            </a:r>
+            <a:r>
+              <a:rPr lang="en-US" dirty="0" err="1"/>
+              <a:t>merekam</a:t>
+            </a:r>
+            <a:r>
+              <a:rPr lang="en-US" dirty="0"/>
+              <a:t> info </a:t>
+            </a:r>
+            <a:r>
+              <a:rPr lang="en-US" dirty="0" err="1"/>
+              <a:t>penting</a:t>
+            </a:r>
+            <a:r>
+              <a:rPr lang="en-US" dirty="0"/>
+              <a:t>, </a:t>
+            </a:r>
+            <a:r>
+              <a:rPr lang="en-US" dirty="0" err="1"/>
+              <a:t>menjadi</a:t>
+            </a:r>
+            <a:r>
+              <a:rPr lang="en-US" dirty="0"/>
+              <a:t> </a:t>
+            </a:r>
+            <a:r>
+              <a:rPr lang="en-US" dirty="0" err="1"/>
+              <a:t>katalog</a:t>
+            </a:r>
+            <a:r>
+              <a:rPr lang="en-US" dirty="0"/>
+              <a:t>, dan </a:t>
+            </a:r>
+            <a:r>
+              <a:rPr lang="en-US" dirty="0" err="1"/>
+              <a:t>memanajemen</a:t>
+            </a:r>
+            <a:r>
+              <a:rPr lang="en-US" dirty="0"/>
+              <a:t> </a:t>
+            </a:r>
+            <a:r>
+              <a:rPr lang="en-US" dirty="0" err="1"/>
+              <a:t>sesi</a:t>
+            </a:r>
+            <a:r>
+              <a:rPr lang="en-US" dirty="0"/>
+              <a:t> main </a:t>
+            </a:r>
+            <a:r>
+              <a:rPr lang="en-US" dirty="0" err="1"/>
+              <a:t>bareng</a:t>
+            </a:r>
+            <a:r>
+              <a:rPr lang="en-US" dirty="0"/>
+              <a:t> (play day). Di </a:t>
+            </a:r>
+            <a:r>
+              <a:rPr lang="en-US" dirty="0" err="1"/>
+              <a:t>dalam</a:t>
+            </a:r>
+            <a:r>
+              <a:rPr lang="en-US" dirty="0"/>
+              <a:t> </a:t>
+            </a:r>
+            <a:r>
+              <a:rPr lang="en-US" dirty="0" err="1"/>
+              <a:t>aplikasi</a:t>
+            </a:r>
+            <a:r>
+              <a:rPr lang="en-US" dirty="0"/>
+              <a:t> </a:t>
+            </a:r>
+            <a:r>
+              <a:rPr lang="en-US" dirty="0" err="1"/>
+              <a:t>ini</a:t>
+            </a:r>
+            <a:r>
+              <a:rPr lang="en-US" dirty="0"/>
+              <a:t>, </a:t>
+            </a:r>
+            <a:r>
+              <a:rPr lang="en-US" dirty="0" err="1"/>
+              <a:t>menampilkan</a:t>
+            </a:r>
+            <a:r>
+              <a:rPr lang="en-US" dirty="0"/>
+              <a:t> </a:t>
+            </a:r>
+            <a:r>
+              <a:rPr lang="en-US" dirty="0" err="1"/>
+              <a:t>katalog</a:t>
+            </a:r>
+            <a:r>
+              <a:rPr lang="en-US" dirty="0"/>
+              <a:t> yang </a:t>
+            </a:r>
+            <a:r>
+              <a:rPr lang="en-US" dirty="0" err="1"/>
+              <a:t>berisi</a:t>
+            </a:r>
+            <a:r>
+              <a:rPr lang="en-US" dirty="0"/>
+              <a:t> </a:t>
+            </a:r>
+            <a:r>
+              <a:rPr lang="en-US" dirty="0" err="1"/>
+              <a:t>berbagai</a:t>
+            </a:r>
+            <a:r>
+              <a:rPr lang="en-US" dirty="0"/>
+              <a:t> </a:t>
+            </a:r>
+            <a:r>
+              <a:rPr lang="en-US" dirty="0" err="1"/>
+              <a:t>judul</a:t>
+            </a:r>
+            <a:r>
+              <a:rPr lang="en-US" dirty="0"/>
+              <a:t> game </a:t>
+            </a:r>
+            <a:r>
+              <a:rPr lang="en-US" dirty="0" err="1"/>
+              <a:t>sesuai</a:t>
+            </a:r>
+            <a:r>
+              <a:rPr lang="en-US" dirty="0"/>
+              <a:t> </a:t>
+            </a:r>
+            <a:r>
+              <a:rPr lang="en-US" dirty="0" err="1"/>
+              <a:t>dengan</a:t>
+            </a:r>
+            <a:r>
+              <a:rPr lang="en-US" dirty="0"/>
+              <a:t> </a:t>
+            </a:r>
+            <a:r>
+              <a:rPr lang="en-US" dirty="0" err="1"/>
+              <a:t>kategorinya</a:t>
+            </a:r>
+            <a:r>
+              <a:rPr lang="en-US" dirty="0"/>
+              <a:t> (easy, medium, heavy), </a:t>
+            </a:r>
+            <a:r>
+              <a:rPr lang="en-US" dirty="0" err="1"/>
+              <a:t>tema</a:t>
+            </a:r>
+            <a:r>
+              <a:rPr lang="en-US" dirty="0"/>
+              <a:t>, dan juga leaderboard, </a:t>
+            </a:r>
+            <a:r>
+              <a:rPr lang="en-US" dirty="0" err="1"/>
+              <a:t>serta</a:t>
+            </a:r>
+            <a:r>
+              <a:rPr lang="en-US" dirty="0"/>
+              <a:t> history </a:t>
+            </a:r>
+            <a:r>
+              <a:rPr lang="en-US" dirty="0" err="1"/>
+              <a:t>dari</a:t>
+            </a:r>
+            <a:r>
+              <a:rPr lang="en-US" dirty="0"/>
+              <a:t> </a:t>
+            </a:r>
+            <a:r>
+              <a:rPr lang="en-US" dirty="0" err="1"/>
+              <a:t>sesi</a:t>
+            </a:r>
+            <a:r>
+              <a:rPr lang="en-US" dirty="0"/>
+              <a:t> </a:t>
+            </a:r>
+            <a:r>
+              <a:rPr lang="en-US" dirty="0" err="1"/>
+              <a:t>bermain</a:t>
+            </a:r>
+            <a:r>
+              <a:rPr lang="en-US" dirty="0"/>
+              <a:t> yang </a:t>
+            </a:r>
+            <a:r>
+              <a:rPr lang="en-US" dirty="0" err="1"/>
+              <a:t>pernah</a:t>
+            </a:r>
+            <a:r>
+              <a:rPr lang="en-US" dirty="0"/>
+              <a:t> </a:t>
+            </a:r>
+            <a:r>
+              <a:rPr lang="en-US" dirty="0" err="1"/>
+              <a:t>dilakukan</a:t>
+            </a:r>
+            <a:r>
+              <a:rPr lang="en-US" dirty="0"/>
+              <a:t> </a:t>
+            </a:r>
+            <a:r>
+              <a:rPr lang="en-US" dirty="0" err="1"/>
+              <a:t>untuk</a:t>
+            </a:r>
+            <a:r>
+              <a:rPr lang="en-US" dirty="0"/>
+              <a:t> </a:t>
+            </a:r>
+            <a:r>
+              <a:rPr lang="en-US" dirty="0" err="1"/>
+              <a:t>tiap</a:t>
+            </a:r>
+            <a:r>
+              <a:rPr lang="en-US" dirty="0"/>
+              <a:t> </a:t>
+            </a:r>
+            <a:r>
+              <a:rPr lang="en-US" dirty="0" err="1"/>
+              <a:t>gamenya</a:t>
+            </a:r>
+            <a:r>
+              <a:rPr lang="en-US" dirty="0"/>
+              <a:t>. </a:t>
+            </a:r>
+            <a:r>
+              <a:rPr lang="en-US" dirty="0" err="1"/>
+              <a:t>Secara</a:t>
+            </a:r>
+            <a:r>
+              <a:rPr lang="en-US" dirty="0"/>
+              <a:t> detail, pada </a:t>
+            </a:r>
+            <a:r>
+              <a:rPr lang="en-US" dirty="0" err="1"/>
+              <a:t>sesi</a:t>
+            </a:r>
+            <a:r>
+              <a:rPr lang="en-US" dirty="0"/>
+              <a:t> play day, </a:t>
+            </a:r>
+            <a:r>
+              <a:rPr lang="en-US" dirty="0" err="1"/>
+              <a:t>semua</a:t>
+            </a:r>
+            <a:r>
+              <a:rPr lang="en-US" dirty="0"/>
+              <a:t> data </a:t>
+            </a:r>
+            <a:r>
+              <a:rPr lang="en-US" dirty="0" err="1"/>
+              <a:t>akan</a:t>
+            </a:r>
+            <a:r>
+              <a:rPr lang="en-US" dirty="0"/>
+              <a:t> </a:t>
+            </a:r>
+            <a:r>
+              <a:rPr lang="en-US" dirty="0" err="1"/>
+              <a:t>terekam</a:t>
+            </a:r>
+            <a:r>
+              <a:rPr lang="en-US" dirty="0"/>
+              <a:t>, </a:t>
+            </a:r>
+            <a:r>
+              <a:rPr lang="en-US" dirty="0" err="1"/>
+              <a:t>termasuk</a:t>
+            </a:r>
+            <a:r>
+              <a:rPr lang="en-US" dirty="0"/>
+              <a:t>: </a:t>
+            </a:r>
+            <a:r>
+              <a:rPr lang="en-US" dirty="0" err="1"/>
+              <a:t>siapa</a:t>
+            </a:r>
+            <a:r>
+              <a:rPr lang="en-US" dirty="0"/>
+              <a:t> yang </a:t>
+            </a:r>
+            <a:r>
+              <a:rPr lang="en-US" dirty="0" err="1"/>
+              <a:t>bermain</a:t>
+            </a:r>
+            <a:r>
+              <a:rPr lang="en-US" dirty="0"/>
+              <a:t> pada </a:t>
+            </a:r>
+            <a:r>
+              <a:rPr lang="en-US" dirty="0" err="1"/>
+              <a:t>suatu</a:t>
+            </a:r>
+            <a:r>
+              <a:rPr lang="en-US" dirty="0"/>
+              <a:t> playday, </a:t>
+            </a:r>
+            <a:r>
+              <a:rPr lang="en-US" dirty="0" err="1"/>
+              <a:t>waktu</a:t>
+            </a:r>
+            <a:r>
+              <a:rPr lang="en-US" dirty="0"/>
+              <a:t> </a:t>
+            </a:r>
+            <a:r>
+              <a:rPr lang="en-US" dirty="0" err="1"/>
+              <a:t>bermain</a:t>
+            </a:r>
+            <a:r>
+              <a:rPr lang="en-US" dirty="0"/>
+              <a:t>, </a:t>
+            </a:r>
+            <a:r>
+              <a:rPr lang="en-US" dirty="0" err="1"/>
+              <a:t>skor</a:t>
+            </a:r>
+            <a:r>
+              <a:rPr lang="en-US" dirty="0"/>
+              <a:t> masing-masing </a:t>
+            </a:r>
+            <a:r>
+              <a:rPr lang="en-US" dirty="0" err="1"/>
+              <a:t>pemain</a:t>
+            </a:r>
+            <a:r>
+              <a:rPr lang="en-US" dirty="0"/>
+              <a:t> </a:t>
+            </a:r>
+            <a:r>
+              <a:rPr lang="en-US" dirty="0" err="1"/>
+              <a:t>tersebut</a:t>
+            </a:r>
+            <a:r>
+              <a:rPr lang="en-US" dirty="0"/>
+              <a:t> (yang mana </a:t>
+            </a:r>
+            <a:r>
+              <a:rPr lang="en-US" dirty="0" err="1"/>
+              <a:t>secara</a:t>
+            </a:r>
+            <a:r>
+              <a:rPr lang="en-US" dirty="0"/>
+              <a:t> </a:t>
+            </a:r>
+            <a:r>
+              <a:rPr lang="en-US" dirty="0" err="1"/>
+              <a:t>otomatis</a:t>
+            </a:r>
+            <a:r>
+              <a:rPr lang="en-US" dirty="0"/>
+              <a:t> juga </a:t>
+            </a:r>
+            <a:r>
+              <a:rPr lang="en-US" dirty="0" err="1"/>
+              <a:t>akan</a:t>
+            </a:r>
+            <a:r>
+              <a:rPr lang="en-US" dirty="0"/>
+              <a:t> </a:t>
+            </a:r>
+            <a:r>
+              <a:rPr lang="en-US" dirty="0" err="1"/>
+              <a:t>masuk</a:t>
+            </a:r>
+            <a:r>
+              <a:rPr lang="en-US" dirty="0"/>
+              <a:t> </a:t>
+            </a:r>
+            <a:r>
+              <a:rPr lang="en-US" dirty="0" err="1"/>
+              <a:t>ke</a:t>
+            </a:r>
+            <a:r>
+              <a:rPr lang="en-US" dirty="0"/>
+              <a:t> </a:t>
+            </a:r>
+            <a:r>
+              <a:rPr lang="en-US" dirty="0" err="1"/>
+              <a:t>dalam</a:t>
+            </a:r>
+            <a:r>
+              <a:rPr lang="en-US" dirty="0"/>
+              <a:t> leaderboard). Leaderboard </a:t>
+            </a:r>
+            <a:r>
+              <a:rPr lang="en-US" dirty="0" err="1"/>
+              <a:t>sendiri</a:t>
+            </a:r>
+            <a:r>
+              <a:rPr lang="en-US" dirty="0"/>
+              <a:t> </a:t>
+            </a:r>
+            <a:r>
+              <a:rPr lang="en-US" dirty="0" err="1"/>
+              <a:t>akan</a:t>
+            </a:r>
+            <a:r>
+              <a:rPr lang="en-US" dirty="0"/>
+              <a:t> </a:t>
+            </a:r>
+            <a:r>
+              <a:rPr lang="en-US" dirty="0" err="1"/>
+              <a:t>dapat</a:t>
+            </a:r>
+            <a:r>
+              <a:rPr lang="en-US" dirty="0"/>
+              <a:t> </a:t>
+            </a:r>
+            <a:r>
+              <a:rPr lang="en-US" dirty="0" err="1"/>
+              <a:t>dibedakan</a:t>
+            </a:r>
+            <a:r>
+              <a:rPr lang="en-US" dirty="0"/>
+              <a:t> </a:t>
+            </a:r>
+            <a:r>
+              <a:rPr lang="en-US" dirty="0" err="1"/>
+              <a:t>menjadi</a:t>
+            </a:r>
+            <a:r>
+              <a:rPr lang="en-US" dirty="0"/>
+              <a:t> </a:t>
+            </a:r>
+            <a:r>
+              <a:rPr lang="en-US" dirty="0" err="1"/>
+              <a:t>leadboard</a:t>
+            </a:r>
+            <a:r>
+              <a:rPr lang="en-US" dirty="0"/>
+              <a:t> </a:t>
+            </a:r>
+            <a:r>
+              <a:rPr lang="en-US" dirty="0" err="1"/>
+              <a:t>tahunan</a:t>
+            </a:r>
+            <a:r>
+              <a:rPr lang="en-US" dirty="0"/>
+              <a:t> dan leaderboard </a:t>
+            </a:r>
+            <a:r>
+              <a:rPr lang="en-US" dirty="0" err="1"/>
+              <a:t>bulanan</a:t>
+            </a:r>
+            <a:r>
+              <a:rPr lang="en-US" dirty="0"/>
+              <a:t>, </a:t>
+            </a:r>
+            <a:r>
+              <a:rPr lang="en-US" dirty="0" err="1"/>
+              <a:t>serta</a:t>
+            </a:r>
+            <a:r>
+              <a:rPr lang="en-US" dirty="0"/>
+              <a:t> </a:t>
+            </a:r>
+            <a:r>
+              <a:rPr lang="en-US" dirty="0" err="1"/>
+              <a:t>mingguan</a:t>
+            </a:r>
+            <a:r>
+              <a:rPr lang="en-US" dirty="0"/>
+              <a:t>. </a:t>
+            </a:r>
+            <a:r>
+              <a:rPr lang="en-US" dirty="0" err="1"/>
+              <a:t>Secara</a:t>
+            </a:r>
+            <a:r>
+              <a:rPr lang="en-US" dirty="0"/>
+              <a:t> </a:t>
+            </a:r>
+            <a:r>
+              <a:rPr lang="en-US" dirty="0" err="1"/>
+              <a:t>otomatis</a:t>
+            </a:r>
+            <a:r>
+              <a:rPr lang="en-US" dirty="0"/>
+              <a:t>, </a:t>
+            </a:r>
+            <a:r>
+              <a:rPr lang="en-US" dirty="0" err="1"/>
+              <a:t>hal</a:t>
+            </a:r>
+            <a:r>
+              <a:rPr lang="en-US" dirty="0"/>
+              <a:t> </a:t>
+            </a:r>
+            <a:r>
+              <a:rPr lang="en-US" dirty="0" err="1"/>
+              <a:t>itu</a:t>
+            </a:r>
+            <a:r>
+              <a:rPr lang="en-US" dirty="0"/>
+              <a:t> </a:t>
+            </a:r>
+            <a:r>
+              <a:rPr lang="en-US" dirty="0" err="1"/>
+              <a:t>berarti</a:t>
+            </a:r>
+            <a:r>
+              <a:rPr lang="en-US" dirty="0"/>
+              <a:t> history </a:t>
+            </a:r>
+            <a:r>
+              <a:rPr lang="en-US" dirty="0" err="1"/>
+              <a:t>dari</a:t>
+            </a:r>
+            <a:r>
+              <a:rPr lang="en-US" dirty="0"/>
+              <a:t> </a:t>
+            </a:r>
+            <a:r>
+              <a:rPr lang="en-US" dirty="0" err="1"/>
+              <a:t>pemain</a:t>
+            </a:r>
+            <a:r>
+              <a:rPr lang="en-US" dirty="0"/>
+              <a:t> </a:t>
+            </a:r>
+            <a:r>
+              <a:rPr lang="en-US" dirty="0" err="1"/>
+              <a:t>dapat</a:t>
+            </a:r>
+            <a:r>
+              <a:rPr lang="en-US" dirty="0"/>
+              <a:t> </a:t>
+            </a:r>
+            <a:r>
+              <a:rPr lang="en-US" dirty="0" err="1"/>
+              <a:t>menyimpan</a:t>
+            </a:r>
+            <a:r>
+              <a:rPr lang="en-US" dirty="0"/>
+              <a:t> log/ detail game </a:t>
+            </a:r>
+            <a:r>
+              <a:rPr lang="en-US" dirty="0" err="1"/>
+              <a:t>apa</a:t>
+            </a:r>
+            <a:r>
+              <a:rPr lang="en-US" dirty="0"/>
+              <a:t> </a:t>
+            </a:r>
+            <a:r>
+              <a:rPr lang="en-US" dirty="0" err="1"/>
+              <a:t>saja</a:t>
+            </a:r>
+            <a:r>
+              <a:rPr lang="en-US" dirty="0"/>
+              <a:t> yang </a:t>
+            </a:r>
+            <a:r>
+              <a:rPr lang="en-US" dirty="0" err="1"/>
+              <a:t>pernah</a:t>
+            </a:r>
+            <a:r>
+              <a:rPr lang="en-US" dirty="0"/>
+              <a:t> </a:t>
+            </a:r>
+            <a:r>
+              <a:rPr lang="en-US" dirty="0" err="1"/>
+              <a:t>dia</a:t>
+            </a:r>
+            <a:r>
+              <a:rPr lang="en-US" dirty="0"/>
+              <a:t> </a:t>
+            </a:r>
+            <a:r>
+              <a:rPr lang="en-US" dirty="0" err="1"/>
+              <a:t>mainkan</a:t>
+            </a:r>
+            <a:r>
+              <a:rPr lang="en-US" dirty="0"/>
+              <a:t> </a:t>
+            </a:r>
+            <a:r>
+              <a:rPr lang="en-US" dirty="0" err="1"/>
+              <a:t>beserta</a:t>
+            </a:r>
+            <a:r>
+              <a:rPr lang="en-US" dirty="0"/>
+              <a:t> </a:t>
+            </a:r>
+            <a:r>
+              <a:rPr lang="en-US" dirty="0" err="1"/>
+              <a:t>dengan</a:t>
+            </a:r>
+            <a:r>
+              <a:rPr lang="en-US" dirty="0"/>
+              <a:t> detail info yang lain. </a:t>
+            </a:r>
+            <a:r>
+              <a:rPr lang="en-US" dirty="0" err="1"/>
+              <a:t>Siapa</a:t>
+            </a:r>
+            <a:r>
+              <a:rPr lang="en-US" dirty="0"/>
+              <a:t> </a:t>
+            </a:r>
+            <a:r>
+              <a:rPr lang="en-US" dirty="0" err="1"/>
+              <a:t>saja</a:t>
+            </a:r>
+            <a:r>
+              <a:rPr lang="en-US" dirty="0"/>
+              <a:t> </a:t>
+            </a:r>
+            <a:r>
+              <a:rPr lang="en-US" dirty="0" err="1"/>
+              <a:t>sebagai</a:t>
+            </a:r>
+            <a:r>
+              <a:rPr lang="en-US" dirty="0"/>
+              <a:t> </a:t>
+            </a:r>
+            <a:r>
+              <a:rPr lang="en-US" dirty="0" err="1"/>
+              <a:t>pengguna</a:t>
+            </a:r>
+            <a:r>
+              <a:rPr lang="en-US" dirty="0"/>
+              <a:t> </a:t>
+            </a:r>
+            <a:r>
+              <a:rPr lang="en-US" dirty="0" err="1"/>
+              <a:t>aplikasi</a:t>
+            </a:r>
+            <a:r>
+              <a:rPr lang="en-US" dirty="0"/>
+              <a:t> </a:t>
+            </a:r>
+            <a:r>
+              <a:rPr lang="en-US" dirty="0" err="1"/>
+              <a:t>dapat</a:t>
+            </a:r>
+            <a:r>
+              <a:rPr lang="en-US" dirty="0"/>
+              <a:t> </a:t>
+            </a:r>
+            <a:r>
+              <a:rPr lang="en-US" dirty="0" err="1"/>
+              <a:t>membuat</a:t>
+            </a:r>
+            <a:r>
+              <a:rPr lang="en-US" dirty="0"/>
+              <a:t> invitation </a:t>
+            </a:r>
+            <a:r>
+              <a:rPr lang="en-US" dirty="0" err="1"/>
+              <a:t>untuk</a:t>
+            </a:r>
+            <a:r>
+              <a:rPr lang="en-US" dirty="0"/>
+              <a:t> </a:t>
+            </a:r>
+            <a:r>
+              <a:rPr lang="en-US" dirty="0" err="1"/>
+              <a:t>sesi</a:t>
+            </a:r>
+            <a:r>
+              <a:rPr lang="en-US" dirty="0"/>
+              <a:t> play day, </a:t>
+            </a:r>
+            <a:r>
+              <a:rPr lang="en-US" dirty="0" err="1"/>
+              <a:t>tetapi</a:t>
+            </a:r>
+            <a:r>
+              <a:rPr lang="en-US" dirty="0"/>
+              <a:t> yang </a:t>
+            </a:r>
+            <a:r>
+              <a:rPr lang="en-US" dirty="0" err="1"/>
+              <a:t>ditampilkan</a:t>
+            </a:r>
+            <a:r>
+              <a:rPr lang="en-US" dirty="0"/>
+              <a:t> </a:t>
+            </a:r>
+            <a:r>
+              <a:rPr lang="en-US" dirty="0" err="1"/>
+              <a:t>hanyalah</a:t>
+            </a:r>
+            <a:r>
+              <a:rPr lang="en-US" dirty="0"/>
+              <a:t> data yang </a:t>
+            </a:r>
+            <a:r>
+              <a:rPr lang="en-US" dirty="0" err="1"/>
+              <a:t>sudah</a:t>
+            </a:r>
+            <a:r>
+              <a:rPr lang="en-US" dirty="0"/>
+              <a:t> di </a:t>
+            </a:r>
+            <a:r>
+              <a:rPr lang="en-US" dirty="0" err="1"/>
+              <a:t>verifikasi</a:t>
+            </a:r>
+            <a:r>
+              <a:rPr lang="en-US" dirty="0"/>
+              <a:t>/ </a:t>
+            </a:r>
+            <a:r>
+              <a:rPr lang="en-US" dirty="0" err="1"/>
+              <a:t>diACC</a:t>
+            </a:r>
+            <a:r>
+              <a:rPr lang="en-US" dirty="0"/>
+              <a:t> oleh admin(game master). Ketika </a:t>
+            </a:r>
+            <a:r>
+              <a:rPr lang="en-US" dirty="0" err="1"/>
+              <a:t>sesi</a:t>
+            </a:r>
+            <a:r>
+              <a:rPr lang="en-US" dirty="0"/>
+              <a:t> playday </a:t>
+            </a:r>
+            <a:r>
+              <a:rPr lang="en-US" dirty="0" err="1"/>
+              <a:t>sudah</a:t>
+            </a:r>
+            <a:r>
+              <a:rPr lang="en-US" dirty="0"/>
+              <a:t> </a:t>
+            </a:r>
+            <a:r>
+              <a:rPr lang="en-US" dirty="0" err="1"/>
+              <a:t>melewati</a:t>
+            </a:r>
+            <a:r>
+              <a:rPr lang="en-US" dirty="0"/>
+              <a:t> </a:t>
+            </a:r>
+            <a:r>
+              <a:rPr lang="en-US" dirty="0" err="1"/>
+              <a:t>tanggal</a:t>
+            </a:r>
+            <a:r>
+              <a:rPr lang="en-US" dirty="0"/>
+              <a:t>, </a:t>
+            </a:r>
+            <a:r>
+              <a:rPr lang="en-US" dirty="0" err="1"/>
+              <a:t>artinya</a:t>
+            </a:r>
+            <a:r>
+              <a:rPr lang="en-US" dirty="0"/>
+              <a:t> </a:t>
+            </a:r>
+            <a:r>
+              <a:rPr lang="en-US" dirty="0" err="1"/>
+              <a:t>sesi</a:t>
+            </a:r>
+            <a:r>
+              <a:rPr lang="en-US" dirty="0"/>
+              <a:t> play day </a:t>
+            </a:r>
+            <a:r>
+              <a:rPr lang="en-US" dirty="0" err="1"/>
+              <a:t>tersebut</a:t>
+            </a:r>
+            <a:r>
+              <a:rPr lang="en-US" dirty="0"/>
+              <a:t> </a:t>
+            </a:r>
+            <a:r>
+              <a:rPr lang="en-US" dirty="0" err="1"/>
+              <a:t>sudah</a:t>
+            </a:r>
+            <a:r>
+              <a:rPr lang="en-US" dirty="0"/>
+              <a:t> </a:t>
+            </a:r>
+            <a:r>
+              <a:rPr lang="en-US" dirty="0" err="1"/>
+              <a:t>dilakukan</a:t>
+            </a:r>
+            <a:r>
+              <a:rPr lang="en-US" dirty="0"/>
+              <a:t>. Admin </a:t>
+            </a:r>
+            <a:r>
+              <a:rPr lang="en-US" dirty="0" err="1"/>
+              <a:t>akan</a:t>
+            </a:r>
+            <a:r>
+              <a:rPr lang="en-US" dirty="0"/>
+              <a:t> </a:t>
+            </a:r>
+            <a:r>
+              <a:rPr lang="en-US" dirty="0" err="1"/>
+              <a:t>memiliki</a:t>
+            </a:r>
+            <a:r>
+              <a:rPr lang="en-US" dirty="0"/>
+              <a:t> </a:t>
+            </a:r>
+            <a:r>
+              <a:rPr lang="en-US" dirty="0" err="1"/>
+              <a:t>akses</a:t>
+            </a:r>
+            <a:r>
+              <a:rPr lang="en-US" dirty="0"/>
+              <a:t> </a:t>
+            </a:r>
+            <a:r>
+              <a:rPr lang="en-US" dirty="0" err="1"/>
+              <a:t>untuk</a:t>
+            </a:r>
+            <a:r>
+              <a:rPr lang="en-US" dirty="0"/>
+              <a:t> </a:t>
+            </a:r>
+            <a:r>
+              <a:rPr lang="en-US" dirty="0" err="1"/>
+              <a:t>menyimpan</a:t>
+            </a:r>
+            <a:r>
+              <a:rPr lang="en-US" dirty="0"/>
+              <a:t> </a:t>
+            </a:r>
+            <a:r>
+              <a:rPr lang="en-US" dirty="0" err="1"/>
+              <a:t>hasil</a:t>
+            </a:r>
+            <a:r>
+              <a:rPr lang="en-US" dirty="0"/>
+              <a:t> playday </a:t>
+            </a:r>
+            <a:r>
+              <a:rPr lang="en-US" dirty="0" err="1"/>
+              <a:t>tersebut</a:t>
+            </a:r>
+            <a:r>
+              <a:rPr lang="en-US" dirty="0"/>
+              <a:t> </a:t>
+            </a:r>
+            <a:r>
+              <a:rPr lang="en-US" dirty="0" err="1"/>
+              <a:t>sebagai</a:t>
+            </a:r>
+            <a:r>
+              <a:rPr lang="en-US" dirty="0"/>
+              <a:t> history, </a:t>
+            </a:r>
+            <a:r>
+              <a:rPr lang="en-US" dirty="0" err="1"/>
+              <a:t>atau</a:t>
+            </a:r>
+            <a:r>
+              <a:rPr lang="en-US" dirty="0"/>
+              <a:t> </a:t>
+            </a:r>
+            <a:r>
+              <a:rPr lang="en-US" dirty="0" err="1"/>
+              <a:t>justru</a:t>
+            </a:r>
+            <a:r>
+              <a:rPr lang="en-US" dirty="0"/>
+              <a:t> </a:t>
+            </a:r>
+            <a:r>
+              <a:rPr lang="en-US" dirty="0" err="1"/>
+              <a:t>menghapusnya</a:t>
+            </a:r>
+            <a:r>
+              <a:rPr lang="en-US" dirty="0"/>
+              <a:t>. </a:t>
+            </a:r>
+            <a:r>
+              <a:rPr lang="en-US" dirty="0" err="1"/>
+              <a:t>Semua</a:t>
+            </a:r>
+            <a:r>
+              <a:rPr lang="en-US" dirty="0"/>
+              <a:t> </a:t>
+            </a:r>
+            <a:r>
+              <a:rPr lang="en-US" dirty="0" err="1"/>
+              <a:t>sesi</a:t>
+            </a:r>
+            <a:r>
+              <a:rPr lang="en-US" dirty="0"/>
+              <a:t> playday yang </a:t>
+            </a:r>
+            <a:r>
+              <a:rPr lang="en-US" dirty="0" err="1"/>
+              <a:t>akan</a:t>
+            </a:r>
+            <a:r>
+              <a:rPr lang="en-US" dirty="0"/>
+              <a:t> (upcoming) dan </a:t>
+            </a:r>
+            <a:r>
+              <a:rPr lang="en-US" dirty="0" err="1"/>
+              <a:t>sudah</a:t>
+            </a:r>
+            <a:r>
+              <a:rPr lang="en-US" dirty="0"/>
+              <a:t> </a:t>
+            </a:r>
+            <a:r>
+              <a:rPr lang="en-US" dirty="0" err="1"/>
+              <a:t>dilakukan</a:t>
+            </a:r>
+            <a:r>
+              <a:rPr lang="en-US" dirty="0"/>
+              <a:t> (history) </a:t>
+            </a:r>
+            <a:r>
+              <a:rPr lang="en-US" dirty="0" err="1"/>
+              <a:t>dapat</a:t>
+            </a:r>
+            <a:r>
+              <a:rPr lang="en-US" dirty="0"/>
+              <a:t> </a:t>
+            </a:r>
+            <a:r>
+              <a:rPr lang="en-US" dirty="0" err="1"/>
+              <a:t>diexport</a:t>
+            </a:r>
+            <a:r>
+              <a:rPr lang="en-US" dirty="0"/>
+              <a:t> </a:t>
+            </a:r>
+            <a:r>
+              <a:rPr lang="en-US" dirty="0" err="1"/>
+              <a:t>ke</a:t>
+            </a:r>
+            <a:r>
+              <a:rPr lang="en-US" dirty="0"/>
+              <a:t> </a:t>
+            </a:r>
+            <a:r>
+              <a:rPr lang="en-US" dirty="0" err="1"/>
+              <a:t>dalam</a:t>
+            </a:r>
+            <a:r>
+              <a:rPr lang="en-US" dirty="0"/>
+              <a:t> file csv.</a:t>
+            </a:r>
+          </a:p>
+        </p:txBody>
+      </p:sp>
+    </p:spTree>
+    <p:extLst>
+      <p:ext uri="{BB962C8B-B14F-4D97-AF65-F5344CB8AC3E}">
+        <p14:creationId xmlns:p14="http://schemas.microsoft.com/office/powerpoint/2010/main" val="3240119175"/>
+      </p:ext>
+    </p:extLst>
+  </p:cSld>
+  <p:clrMapOvr>
+    <a:masterClrMapping/>
+  </p:clrMapOvr>
+</p:sld>
+</file>
+
+<file path=ppt/slides/slide4.xml><?xml version="1.0" encoding="utf-8"?>
+<p:sld xmlns:a="http://schemas.openxmlformats.org/drawingml/2006/main" xmlns:r="http://schemas.openxmlformats.org/officeDocument/2006/relationships" xmlns:p="http://schemas.openxmlformats.org/presentationml/2006/main">
+  <p:cSld>
+    <p:spTree>
+      <p:nvGrpSpPr>
+        <p:cNvPr id="1" name=""/>
+        <p:cNvGrpSpPr/>
+        <p:nvPr/>
+      </p:nvGrpSpPr>
+      <p:grpSpPr>
+        <a:xfrm>
+          <a:off x="0" y="0"/>
+          <a:ext cx="0" cy="0"/>
+          <a:chOff x="0" y="0"/>
+          <a:chExt cx="0" cy="0"/>
+        </a:xfrm>
+      </p:grpSpPr>
+      <p:sp>
+        <p:nvSpPr>
+          <p:cNvPr id="2" name="Title 1">
+            <a:extLst>
+              <a:ext uri="{FF2B5EF4-FFF2-40B4-BE49-F238E27FC236}">
                 <a16:creationId xmlns:a16="http://schemas.microsoft.com/office/drawing/2014/main" id="{952B1B4D-4ED3-4F26-A880-BCEA778CA2BA}"/>
               </a:ext>
             </a:extLst>
@@ -6280,7 +7430,7 @@
 </p:sld>
 </file>
 
-<file path=ppt/slides/slide4.xml><?xml version="1.0" encoding="utf-8"?>
+<file path=ppt/slides/slide5.xml><?xml version="1.0" encoding="utf-8"?>
 <p:sld xmlns:a="http://schemas.openxmlformats.org/drawingml/2006/main" xmlns:r="http://schemas.openxmlformats.org/officeDocument/2006/relationships" xmlns:p="http://schemas.openxmlformats.org/presentationml/2006/main">
   <p:cSld>
     <p:spTree>
@@ -6374,7 +7524,7 @@
 </p:sld>
 </file>
 
-<file path=ppt/slides/slide5.xml><?xml version="1.0" encoding="utf-8"?>
+<file path=ppt/slides/slide6.xml><?xml version="1.0" encoding="utf-8"?>
 <p:sld xmlns:a="http://schemas.openxmlformats.org/drawingml/2006/main" xmlns:r="http://schemas.openxmlformats.org/officeDocument/2006/relationships" xmlns:p="http://schemas.openxmlformats.org/presentationml/2006/main">
   <p:cSld>
     <p:spTree>
@@ -6497,7 +7647,7 @@
 </p:sld>
 </file>
 
-<file path=ppt/slides/slide6.xml><?xml version="1.0" encoding="utf-8"?>
+<file path=ppt/slides/slide7.xml><?xml version="1.0" encoding="utf-8"?>
 <p:sld xmlns:a="http://schemas.openxmlformats.org/drawingml/2006/main" xmlns:r="http://schemas.openxmlformats.org/officeDocument/2006/relationships" xmlns:p="http://schemas.openxmlformats.org/presentationml/2006/main">
   <p:cSld>
     <p:spTree>
@@ -6620,7 +7770,7 @@
 </p:sld>
 </file>
 
-<file path=ppt/slides/slide7.xml><?xml version="1.0" encoding="utf-8"?>
+<file path=ppt/slides/slide8.xml><?xml version="1.0" encoding="utf-8"?>
 <p:sld xmlns:a="http://schemas.openxmlformats.org/drawingml/2006/main" xmlns:r="http://schemas.openxmlformats.org/officeDocument/2006/relationships" xmlns:p="http://schemas.openxmlformats.org/presentationml/2006/main">
   <p:cSld>
     <p:spTree>
